--- a/课程介绍与学术诚信/课程介绍与学术诚信.pptx
+++ b/课程介绍与学术诚信/课程介绍与学术诚信.pptx
@@ -5,19 +5,20 @@
     <p:sldMasterId id="2147483660" r:id="rId1"/>
   </p:sldMasterIdLst>
   <p:notesMasterIdLst>
-    <p:notesMasterId r:id="rId9"/>
+    <p:notesMasterId r:id="rId10"/>
   </p:notesMasterIdLst>
   <p:handoutMasterIdLst>
-    <p:handoutMasterId r:id="rId10"/>
+    <p:handoutMasterId r:id="rId11"/>
   </p:handoutMasterIdLst>
   <p:sldIdLst>
     <p:sldId id="256" r:id="rId2"/>
     <p:sldId id="271" r:id="rId3"/>
     <p:sldId id="283" r:id="rId4"/>
     <p:sldId id="279" r:id="rId5"/>
-    <p:sldId id="284" r:id="rId6"/>
-    <p:sldId id="281" r:id="rId7"/>
-    <p:sldId id="285" r:id="rId8"/>
+    <p:sldId id="286" r:id="rId6"/>
+    <p:sldId id="284" r:id="rId7"/>
+    <p:sldId id="281" r:id="rId8"/>
+    <p:sldId id="285" r:id="rId9"/>
   </p:sldIdLst>
   <p:sldSz cx="12192000" cy="6858000"/>
   <p:notesSz cx="6858000" cy="9144000"/>
@@ -129,6 +130,7 @@
             <p14:sldId id="271"/>
             <p14:sldId id="283"/>
             <p14:sldId id="279"/>
+            <p14:sldId id="286"/>
             <p14:sldId id="284"/>
             <p14:sldId id="281"/>
             <p14:sldId id="285"/>
@@ -256,7 +258,7 @@
                 <a:latin typeface="Microsoft YaHei UI" panose="020B0503020204020204" pitchFamily="34" charset="-122"/>
                 <a:ea typeface="Microsoft YaHei UI" panose="020B0503020204020204" pitchFamily="34" charset="-122"/>
               </a:rPr>
-              <a:t>2022/7/12</a:t>
+              <a:t>2022/7/13</a:t>
             </a:fld>
             <a:endParaRPr lang="zh-CN" altLang="en-US">
               <a:latin typeface="Microsoft YaHei UI" panose="020B0503020204020204" pitchFamily="34" charset="-122"/>
@@ -442,7 +444,7 @@
           <a:p>
             <a:fld id="{81DCBD32-5E35-4514-9815-F3DDD3668777}" type="datetime1">
               <a:rPr lang="zh-CN" altLang="en-US" smtClean="0"/>
-              <a:t>2022/7/12</a:t>
+              <a:t>2022/7/13</a:t>
             </a:fld>
             <a:endParaRPr lang="en-US" dirty="0"/>
           </a:p>
@@ -1184,7 +1186,7 @@
     </p:spTree>
     <p:extLst>
       <p:ext uri="{BB962C8B-B14F-4D97-AF65-F5344CB8AC3E}">
-        <p14:creationId xmlns:p14="http://schemas.microsoft.com/office/powerpoint/2010/main" val="3068626611"/>
+        <p14:creationId xmlns:p14="http://schemas.microsoft.com/office/powerpoint/2010/main" val="604679206"/>
       </p:ext>
     </p:extLst>
   </p:cSld>
@@ -1267,6 +1269,100 @@
                 <a:ea typeface="Microsoft YaHei UI" panose="020B0503020204020204" pitchFamily="34" charset="-122"/>
               </a:rPr>
               <a:t>6</a:t>
+            </a:fld>
+            <a:endParaRPr lang="zh-CN" altLang="en-US">
+              <a:latin typeface="Microsoft YaHei UI" panose="020B0503020204020204" pitchFamily="34" charset="-122"/>
+              <a:ea typeface="Microsoft YaHei UI" panose="020B0503020204020204" pitchFamily="34" charset="-122"/>
+            </a:endParaRPr>
+          </a:p>
+        </p:txBody>
+      </p:sp>
+    </p:spTree>
+    <p:extLst>
+      <p:ext uri="{BB962C8B-B14F-4D97-AF65-F5344CB8AC3E}">
+        <p14:creationId xmlns:p14="http://schemas.microsoft.com/office/powerpoint/2010/main" val="3068626611"/>
+      </p:ext>
+    </p:extLst>
+  </p:cSld>
+  <p:clrMapOvr>
+    <a:masterClrMapping/>
+  </p:clrMapOvr>
+</p:notes>
+</file>
+
+<file path=ppt/notesSlides/notesSlide7.xml><?xml version="1.0" encoding="utf-8"?>
+<p:notes xmlns:a="http://schemas.openxmlformats.org/drawingml/2006/main" xmlns:r="http://schemas.openxmlformats.org/officeDocument/2006/relationships" xmlns:p="http://schemas.openxmlformats.org/presentationml/2006/main">
+  <p:cSld>
+    <p:spTree>
+      <p:nvGrpSpPr>
+        <p:cNvPr id="1" name=""/>
+        <p:cNvGrpSpPr/>
+        <p:nvPr/>
+      </p:nvGrpSpPr>
+      <p:grpSpPr>
+        <a:xfrm>
+          <a:off x="0" y="0"/>
+          <a:ext cx="0" cy="0"/>
+          <a:chOff x="0" y="0"/>
+          <a:chExt cx="0" cy="0"/>
+        </a:xfrm>
+      </p:grpSpPr>
+      <p:sp>
+        <p:nvSpPr>
+          <p:cNvPr id="2" name="幻灯片图像占位符 1"/>
+          <p:cNvSpPr>
+            <a:spLocks noGrp="1" noRot="1" noChangeAspect="1"/>
+          </p:cNvSpPr>
+          <p:nvPr>
+            <p:ph type="sldImg"/>
+          </p:nvPr>
+        </p:nvSpPr>
+        <p:spPr/>
+      </p:sp>
+      <p:sp>
+        <p:nvSpPr>
+          <p:cNvPr id="3" name="备注占位符 2"/>
+          <p:cNvSpPr>
+            <a:spLocks noGrp="1"/>
+          </p:cNvSpPr>
+          <p:nvPr>
+            <p:ph type="body" idx="1"/>
+          </p:nvPr>
+        </p:nvSpPr>
+        <p:spPr/>
+        <p:txBody>
+          <a:bodyPr/>
+          <a:lstStyle/>
+          <a:p>
+            <a:endParaRPr lang="zh-CN" altLang="en-US">
+              <a:latin typeface="Microsoft YaHei UI" panose="020B0503020204020204" pitchFamily="34" charset="-122"/>
+              <a:ea typeface="Microsoft YaHei UI" panose="020B0503020204020204" pitchFamily="34" charset="-122"/>
+            </a:endParaRPr>
+          </a:p>
+        </p:txBody>
+      </p:sp>
+      <p:sp>
+        <p:nvSpPr>
+          <p:cNvPr id="4" name="灯片编号占位符 3"/>
+          <p:cNvSpPr>
+            <a:spLocks noGrp="1"/>
+          </p:cNvSpPr>
+          <p:nvPr>
+            <p:ph type="sldNum" sz="quarter" idx="5"/>
+          </p:nvPr>
+        </p:nvSpPr>
+        <p:spPr/>
+        <p:txBody>
+          <a:bodyPr/>
+          <a:lstStyle/>
+          <a:p>
+            <a:pPr rtl="0"/>
+            <a:fld id="{DF61EA0F-A667-4B49-8422-0062BC55E249}" type="slidenum">
+              <a:rPr lang="en-US" altLang="zh-CN" smtClean="0">
+                <a:latin typeface="Microsoft YaHei UI" panose="020B0503020204020204" pitchFamily="34" charset="-122"/>
+                <a:ea typeface="Microsoft YaHei UI" panose="020B0503020204020204" pitchFamily="34" charset="-122"/>
+              </a:rPr>
+              <a:t>7</a:t>
             </a:fld>
             <a:endParaRPr lang="zh-CN" altLang="en-US">
               <a:latin typeface="Microsoft YaHei UI" panose="020B0503020204020204" pitchFamily="34" charset="-122"/>
@@ -1754,7 +1850,7 @@
           <a:p>
             <a:fld id="{FC0AFDC1-AB40-4941-83E0-44D5ED544864}" type="datetime1">
               <a:rPr lang="zh-CN" altLang="en-US" noProof="0" smtClean="0"/>
-              <a:t>2022/7/12</a:t>
+              <a:t>2022/7/13</a:t>
             </a:fld>
             <a:endParaRPr lang="zh-CN" altLang="en-US" noProof="0"/>
           </a:p>
@@ -2404,7 +2500,7 @@
           <a:p>
             <a:fld id="{1814A537-FBC6-4533-8B31-767E68D33208}" type="datetime1">
               <a:rPr lang="zh-CN" altLang="en-US" noProof="0" smtClean="0"/>
-              <a:t>2022/7/12</a:t>
+              <a:t>2022/7/13</a:t>
             </a:fld>
             <a:endParaRPr lang="zh-CN" altLang="en-US" noProof="0" dirty="0"/>
           </a:p>
@@ -5807,6 +5903,1487 @@
               <a:rPr lang="zh-CN" altLang="en-US" dirty="0">
                 <a:cs typeface="Segoe UI Light" panose="020B0502040204020203" pitchFamily="34" charset="0"/>
               </a:rPr>
+              <a:t>课程介绍</a:t>
+            </a:r>
+            <a:r>
+              <a:rPr lang="en-US" altLang="zh-CN" dirty="0">
+                <a:cs typeface="Segoe UI Light" panose="020B0502040204020203" pitchFamily="34" charset="0"/>
+              </a:rPr>
+              <a:t>-</a:t>
+            </a:r>
+            <a:r>
+              <a:rPr lang="zh-CN" altLang="en-US" dirty="0">
+                <a:cs typeface="Segoe UI Light" panose="020B0502040204020203" pitchFamily="34" charset="0"/>
+              </a:rPr>
+              <a:t>大纲</a:t>
+            </a:r>
+          </a:p>
+        </p:txBody>
+      </p:sp>
+      <p:grpSp>
+        <p:nvGrpSpPr>
+          <p:cNvPr id="18" name="组 17" descr="带有编号 1（表示第 1 步）的小圆圈"/>
+          <p:cNvGrpSpPr/>
+          <p:nvPr/>
+        </p:nvGrpSpPr>
+        <p:grpSpPr bwMode="blackWhite">
+          <a:xfrm>
+            <a:off x="531552" y="1917997"/>
+            <a:ext cx="558179" cy="409838"/>
+            <a:chOff x="6953426" y="711274"/>
+            <a:chExt cx="558179" cy="409838"/>
+          </a:xfrm>
+        </p:grpSpPr>
+        <p:sp>
+          <p:nvSpPr>
+            <p:cNvPr id="19" name="椭圆形 18" descr="小圆圈"/>
+            <p:cNvSpPr/>
+            <p:nvPr/>
+          </p:nvSpPr>
+          <p:spPr bwMode="blackWhite">
+            <a:xfrm>
+              <a:off x="7025069" y="711274"/>
+              <a:ext cx="409838" cy="409838"/>
+            </a:xfrm>
+            <a:prstGeom prst="ellipse">
+              <a:avLst/>
+            </a:prstGeom>
+            <a:solidFill>
+              <a:srgbClr val="D24726"/>
+            </a:solidFill>
+            <a:ln>
+              <a:noFill/>
+            </a:ln>
+          </p:spPr>
+          <p:style>
+            <a:lnRef idx="2">
+              <a:schemeClr val="accent1">
+                <a:shade val="50000"/>
+              </a:schemeClr>
+            </a:lnRef>
+            <a:fillRef idx="1">
+              <a:schemeClr val="accent1"/>
+            </a:fillRef>
+            <a:effectRef idx="0">
+              <a:schemeClr val="accent1"/>
+            </a:effectRef>
+            <a:fontRef idx="minor">
+              <a:schemeClr val="lt1"/>
+            </a:fontRef>
+          </p:style>
+          <p:txBody>
+            <a:bodyPr rtlCol="0" anchor="ctr"/>
+            <a:lstStyle/>
+            <a:p>
+              <a:pPr algn="ctr" rtl="0"/>
+              <a:endParaRPr lang="zh-CN" altLang="en-US">
+                <a:latin typeface="Microsoft YaHei UI" panose="020B0503020204020204" pitchFamily="34" charset="-122"/>
+                <a:ea typeface="Microsoft YaHei UI" panose="020B0503020204020204" pitchFamily="34" charset="-122"/>
+              </a:endParaRPr>
+            </a:p>
+          </p:txBody>
+        </p:sp>
+        <p:sp>
+          <p:nvSpPr>
+            <p:cNvPr id="20" name="文本框 19" descr="编号 1"/>
+            <p:cNvSpPr txBox="1">
+              <a:spLocks noChangeAspect="1"/>
+            </p:cNvSpPr>
+            <p:nvPr/>
+          </p:nvSpPr>
+          <p:spPr bwMode="blackWhite">
+            <a:xfrm>
+              <a:off x="6953426" y="727564"/>
+              <a:ext cx="558179" cy="369332"/>
+            </a:xfrm>
+            <a:prstGeom prst="rect">
+              <a:avLst/>
+            </a:prstGeom>
+            <a:noFill/>
+          </p:spPr>
+          <p:txBody>
+            <a:bodyPr wrap="square" rtlCol="0">
+              <a:spAutoFit/>
+            </a:bodyPr>
+            <a:lstStyle/>
+            <a:p>
+              <a:pPr algn="ctr" rtl="0"/>
+              <a:r>
+                <a:rPr lang="en-US" altLang="zh-CN" b="1" dirty="0">
+                  <a:solidFill>
+                    <a:schemeClr val="bg1"/>
+                  </a:solidFill>
+                  <a:latin typeface="Microsoft YaHei UI" panose="020B0503020204020204" pitchFamily="34" charset="-122"/>
+                  <a:ea typeface="Microsoft YaHei UI" panose="020B0503020204020204" pitchFamily="34" charset="-122"/>
+                  <a:cs typeface="Segoe UI Semibold" panose="020B0702040204020203" pitchFamily="34" charset="0"/>
+                </a:rPr>
+                <a:t>1</a:t>
+              </a:r>
+            </a:p>
+          </p:txBody>
+        </p:sp>
+      </p:grpSp>
+      <p:sp>
+        <p:nvSpPr>
+          <p:cNvPr id="21" name="内容占位符 17"/>
+          <p:cNvSpPr txBox="1">
+            <a:spLocks/>
+          </p:cNvSpPr>
+          <p:nvPr/>
+        </p:nvSpPr>
+        <p:spPr>
+          <a:xfrm>
+            <a:off x="1056513" y="1958189"/>
+            <a:ext cx="4585731" cy="596551"/>
+          </a:xfrm>
+          <a:prstGeom prst="rect">
+            <a:avLst/>
+          </a:prstGeom>
+        </p:spPr>
+        <p:txBody>
+          <a:bodyPr vert="horz" lIns="91440" tIns="45720" rIns="91440" bIns="45720" rtlCol="0">
+            <a:normAutofit/>
+          </a:bodyPr>
+          <a:lstStyle>
+            <a:lvl1pPr marL="228600" indent="-228600" algn="l" defTabSz="914400" rtl="0" eaLnBrk="1" latinLnBrk="0" hangingPunct="1">
+              <a:lnSpc>
+                <a:spcPts val="1800"/>
+              </a:lnSpc>
+              <a:spcBef>
+                <a:spcPts val="1000"/>
+              </a:spcBef>
+              <a:spcAft>
+                <a:spcPts val="1000"/>
+              </a:spcAft>
+              <a:buFont typeface="Arial" panose="020B0604020202020204" pitchFamily="34" charset="0"/>
+              <a:buChar char="•"/>
+              <a:defRPr lang="en-US" sz="1200" kern="1200" smtClean="0">
+                <a:solidFill>
+                  <a:schemeClr val="tx1">
+                    <a:lumMod val="75000"/>
+                    <a:lumOff val="25000"/>
+                  </a:schemeClr>
+                </a:solidFill>
+                <a:latin typeface="+mn-lt"/>
+                <a:ea typeface="+mn-ea"/>
+                <a:cs typeface="+mn-cs"/>
+              </a:defRPr>
+            </a:lvl1pPr>
+            <a:lvl2pPr marL="685800" indent="-228600" algn="l" defTabSz="914400" rtl="0" eaLnBrk="1" latinLnBrk="0" hangingPunct="1">
+              <a:lnSpc>
+                <a:spcPts val="1800"/>
+              </a:lnSpc>
+              <a:spcBef>
+                <a:spcPts val="1000"/>
+              </a:spcBef>
+              <a:spcAft>
+                <a:spcPts val="1000"/>
+              </a:spcAft>
+              <a:buFont typeface="Arial" panose="020B0604020202020204" pitchFamily="34" charset="0"/>
+              <a:buChar char="•"/>
+              <a:defRPr lang="en-US" sz="1200" kern="1200" smtClean="0">
+                <a:solidFill>
+                  <a:schemeClr val="tx1">
+                    <a:lumMod val="75000"/>
+                    <a:lumOff val="25000"/>
+                  </a:schemeClr>
+                </a:solidFill>
+                <a:latin typeface="+mn-lt"/>
+                <a:ea typeface="+mn-ea"/>
+                <a:cs typeface="+mn-cs"/>
+              </a:defRPr>
+            </a:lvl2pPr>
+            <a:lvl3pPr marL="1143000" indent="-228600" algn="l" defTabSz="914400" rtl="0" eaLnBrk="1" latinLnBrk="0" hangingPunct="1">
+              <a:lnSpc>
+                <a:spcPts val="1800"/>
+              </a:lnSpc>
+              <a:spcBef>
+                <a:spcPts val="1000"/>
+              </a:spcBef>
+              <a:spcAft>
+                <a:spcPts val="1000"/>
+              </a:spcAft>
+              <a:buFont typeface="Arial" panose="020B0604020202020204" pitchFamily="34" charset="0"/>
+              <a:buChar char="•"/>
+              <a:defRPr lang="en-US" sz="1200" kern="1200" smtClean="0">
+                <a:solidFill>
+                  <a:schemeClr val="tx1">
+                    <a:lumMod val="75000"/>
+                    <a:lumOff val="25000"/>
+                  </a:schemeClr>
+                </a:solidFill>
+                <a:latin typeface="+mn-lt"/>
+                <a:ea typeface="+mn-ea"/>
+                <a:cs typeface="+mn-cs"/>
+              </a:defRPr>
+            </a:lvl3pPr>
+            <a:lvl4pPr marL="1600200" indent="-228600" algn="l" defTabSz="914400" rtl="0" eaLnBrk="1" latinLnBrk="0" hangingPunct="1">
+              <a:lnSpc>
+                <a:spcPts val="1800"/>
+              </a:lnSpc>
+              <a:spcBef>
+                <a:spcPts val="1000"/>
+              </a:spcBef>
+              <a:spcAft>
+                <a:spcPts val="1000"/>
+              </a:spcAft>
+              <a:buFont typeface="Arial" panose="020B0604020202020204" pitchFamily="34" charset="0"/>
+              <a:buChar char="•"/>
+              <a:defRPr lang="en-US" sz="1200" kern="1200" smtClean="0">
+                <a:solidFill>
+                  <a:schemeClr val="tx1">
+                    <a:lumMod val="75000"/>
+                    <a:lumOff val="25000"/>
+                  </a:schemeClr>
+                </a:solidFill>
+                <a:latin typeface="+mn-lt"/>
+                <a:ea typeface="+mn-ea"/>
+                <a:cs typeface="+mn-cs"/>
+              </a:defRPr>
+            </a:lvl4pPr>
+            <a:lvl5pPr marL="2057400" indent="-228600" algn="l" defTabSz="914400" rtl="0" eaLnBrk="1" latinLnBrk="0" hangingPunct="1">
+              <a:lnSpc>
+                <a:spcPts val="1800"/>
+              </a:lnSpc>
+              <a:spcBef>
+                <a:spcPts val="1000"/>
+              </a:spcBef>
+              <a:spcAft>
+                <a:spcPts val="1000"/>
+              </a:spcAft>
+              <a:buFont typeface="Arial" panose="020B0604020202020204" pitchFamily="34" charset="0"/>
+              <a:buChar char="•"/>
+              <a:defRPr lang="en-US" sz="1200" kern="1200">
+                <a:solidFill>
+                  <a:schemeClr val="tx1">
+                    <a:lumMod val="75000"/>
+                    <a:lumOff val="25000"/>
+                  </a:schemeClr>
+                </a:solidFill>
+                <a:latin typeface="+mn-lt"/>
+                <a:ea typeface="+mn-ea"/>
+                <a:cs typeface="+mn-cs"/>
+              </a:defRPr>
+            </a:lvl5pPr>
+            <a:lvl6pPr marL="2514600" indent="-228600" algn="l" defTabSz="914400" rtl="0" eaLnBrk="1" latinLnBrk="0" hangingPunct="1">
+              <a:lnSpc>
+                <a:spcPct val="90000"/>
+              </a:lnSpc>
+              <a:spcBef>
+                <a:spcPct val="30000"/>
+              </a:spcBef>
+              <a:buFont typeface="Arial" panose="020B0604020202020204" pitchFamily="34" charset="0"/>
+              <a:buChar char="•"/>
+              <a:defRPr sz="1800" kern="1200">
+                <a:solidFill>
+                  <a:schemeClr val="tx1"/>
+                </a:solidFill>
+                <a:latin typeface="+mn-lt"/>
+                <a:ea typeface="+mn-ea"/>
+                <a:cs typeface="+mn-cs"/>
+              </a:defRPr>
+            </a:lvl6pPr>
+            <a:lvl7pPr marL="2971800" indent="-228600" algn="l" defTabSz="914400" rtl="0" eaLnBrk="1" latinLnBrk="0" hangingPunct="1">
+              <a:lnSpc>
+                <a:spcPct val="90000"/>
+              </a:lnSpc>
+              <a:spcBef>
+                <a:spcPct val="30000"/>
+              </a:spcBef>
+              <a:buFont typeface="Arial" panose="020B0604020202020204" pitchFamily="34" charset="0"/>
+              <a:buChar char="•"/>
+              <a:defRPr sz="1800" kern="1200">
+                <a:solidFill>
+                  <a:schemeClr val="tx1"/>
+                </a:solidFill>
+                <a:latin typeface="+mn-lt"/>
+                <a:ea typeface="+mn-ea"/>
+                <a:cs typeface="+mn-cs"/>
+              </a:defRPr>
+            </a:lvl7pPr>
+            <a:lvl8pPr marL="3429000" indent="-228600" algn="l" defTabSz="914400" rtl="0" eaLnBrk="1" latinLnBrk="0" hangingPunct="1">
+              <a:lnSpc>
+                <a:spcPct val="90000"/>
+              </a:lnSpc>
+              <a:spcBef>
+                <a:spcPct val="30000"/>
+              </a:spcBef>
+              <a:buFont typeface="Arial" panose="020B0604020202020204" pitchFamily="34" charset="0"/>
+              <a:buChar char="•"/>
+              <a:defRPr sz="1800" kern="1200">
+                <a:solidFill>
+                  <a:schemeClr val="tx1"/>
+                </a:solidFill>
+                <a:latin typeface="+mn-lt"/>
+                <a:ea typeface="+mn-ea"/>
+                <a:cs typeface="+mn-cs"/>
+              </a:defRPr>
+            </a:lvl8pPr>
+            <a:lvl9pPr marL="3886200" indent="-228600" algn="l" defTabSz="914400" rtl="0" eaLnBrk="1" latinLnBrk="0" hangingPunct="1">
+              <a:lnSpc>
+                <a:spcPct val="90000"/>
+              </a:lnSpc>
+              <a:spcBef>
+                <a:spcPct val="30000"/>
+              </a:spcBef>
+              <a:buFont typeface="Arial" panose="020B0604020202020204" pitchFamily="34" charset="0"/>
+              <a:buChar char="•"/>
+              <a:defRPr sz="1800" kern="1200">
+                <a:solidFill>
+                  <a:schemeClr val="tx1"/>
+                </a:solidFill>
+                <a:latin typeface="+mn-lt"/>
+                <a:ea typeface="+mn-ea"/>
+                <a:cs typeface="+mn-cs"/>
+              </a:defRPr>
+            </a:lvl9pPr>
+          </a:lstStyle>
+          <a:p>
+            <a:pPr marL="0" lvl="0" indent="0" rtl="0">
+              <a:spcAft>
+                <a:spcPts val="600"/>
+              </a:spcAft>
+              <a:buNone/>
+              <a:defRPr/>
+            </a:pPr>
+            <a:r>
+              <a:rPr lang="zh-CN" altLang="en-US" sz="1800" dirty="0">
+                <a:solidFill>
+                  <a:prstClr val="black">
+                    <a:lumMod val="75000"/>
+                    <a:lumOff val="25000"/>
+                  </a:prstClr>
+                </a:solidFill>
+                <a:latin typeface="Microsoft YaHei UI" panose="020B0503020204020204" pitchFamily="34" charset="-122"/>
+                <a:ea typeface="Microsoft YaHei UI" panose="020B0503020204020204" pitchFamily="34" charset="-122"/>
+                <a:cs typeface="Segoe UI"/>
+              </a:rPr>
+              <a:t>知识复杂且难</a:t>
+            </a:r>
+          </a:p>
+        </p:txBody>
+      </p:sp>
+      <p:grpSp>
+        <p:nvGrpSpPr>
+          <p:cNvPr id="33" name="组 32" descr="带有编号 2（表示第 2 步）的小圆圈"/>
+          <p:cNvGrpSpPr/>
+          <p:nvPr/>
+        </p:nvGrpSpPr>
+        <p:grpSpPr bwMode="blackWhite">
+          <a:xfrm>
+            <a:off x="531552" y="2804257"/>
+            <a:ext cx="558179" cy="409838"/>
+            <a:chOff x="6953426" y="711274"/>
+            <a:chExt cx="558179" cy="409838"/>
+          </a:xfrm>
+        </p:grpSpPr>
+        <p:sp>
+          <p:nvSpPr>
+            <p:cNvPr id="34" name="椭圆形 33" descr="小圆圈"/>
+            <p:cNvSpPr/>
+            <p:nvPr/>
+          </p:nvSpPr>
+          <p:spPr bwMode="blackWhite">
+            <a:xfrm>
+              <a:off x="7025069" y="711274"/>
+              <a:ext cx="409838" cy="409838"/>
+            </a:xfrm>
+            <a:prstGeom prst="ellipse">
+              <a:avLst/>
+            </a:prstGeom>
+            <a:solidFill>
+              <a:srgbClr val="D24726"/>
+            </a:solidFill>
+            <a:ln>
+              <a:noFill/>
+            </a:ln>
+          </p:spPr>
+          <p:style>
+            <a:lnRef idx="2">
+              <a:schemeClr val="accent1">
+                <a:shade val="50000"/>
+              </a:schemeClr>
+            </a:lnRef>
+            <a:fillRef idx="1">
+              <a:schemeClr val="accent1"/>
+            </a:fillRef>
+            <a:effectRef idx="0">
+              <a:schemeClr val="accent1"/>
+            </a:effectRef>
+            <a:fontRef idx="minor">
+              <a:schemeClr val="lt1"/>
+            </a:fontRef>
+          </p:style>
+          <p:txBody>
+            <a:bodyPr rtlCol="0" anchor="ctr"/>
+            <a:lstStyle/>
+            <a:p>
+              <a:pPr algn="ctr" rtl="0"/>
+              <a:endParaRPr lang="zh-CN" altLang="en-US">
+                <a:latin typeface="Microsoft YaHei UI" panose="020B0503020204020204" pitchFamily="34" charset="-122"/>
+                <a:ea typeface="Microsoft YaHei UI" panose="020B0503020204020204" pitchFamily="34" charset="-122"/>
+              </a:endParaRPr>
+            </a:p>
+          </p:txBody>
+        </p:sp>
+        <p:sp>
+          <p:nvSpPr>
+            <p:cNvPr id="35" name="文本框 34" descr="编号 2"/>
+            <p:cNvSpPr txBox="1">
+              <a:spLocks noChangeAspect="1"/>
+            </p:cNvSpPr>
+            <p:nvPr/>
+          </p:nvSpPr>
+          <p:spPr bwMode="blackWhite">
+            <a:xfrm>
+              <a:off x="6953426" y="727564"/>
+              <a:ext cx="558179" cy="369332"/>
+            </a:xfrm>
+            <a:prstGeom prst="rect">
+              <a:avLst/>
+            </a:prstGeom>
+            <a:noFill/>
+          </p:spPr>
+          <p:txBody>
+            <a:bodyPr wrap="square" rtlCol="0">
+              <a:spAutoFit/>
+            </a:bodyPr>
+            <a:lstStyle/>
+            <a:p>
+              <a:pPr algn="ctr" rtl="0"/>
+              <a:r>
+                <a:rPr lang="en-US" altLang="zh-CN" b="1" dirty="0">
+                  <a:solidFill>
+                    <a:schemeClr val="bg1"/>
+                  </a:solidFill>
+                  <a:latin typeface="Microsoft YaHei UI" panose="020B0503020204020204" pitchFamily="34" charset="-122"/>
+                  <a:ea typeface="Microsoft YaHei UI" panose="020B0503020204020204" pitchFamily="34" charset="-122"/>
+                  <a:cs typeface="Segoe UI Semibold" panose="020B0702040204020203" pitchFamily="34" charset="0"/>
+                </a:rPr>
+                <a:t>2</a:t>
+              </a:r>
+            </a:p>
+          </p:txBody>
+        </p:sp>
+      </p:grpSp>
+      <p:sp>
+        <p:nvSpPr>
+          <p:cNvPr id="36" name="内容占位符 17"/>
+          <p:cNvSpPr txBox="1">
+            <a:spLocks/>
+          </p:cNvSpPr>
+          <p:nvPr/>
+        </p:nvSpPr>
+        <p:spPr>
+          <a:xfrm>
+            <a:off x="1056513" y="2844450"/>
+            <a:ext cx="4504252" cy="1065817"/>
+          </a:xfrm>
+          <a:prstGeom prst="rect">
+            <a:avLst/>
+          </a:prstGeom>
+        </p:spPr>
+        <p:txBody>
+          <a:bodyPr vert="horz" lIns="91440" tIns="45720" rIns="91440" bIns="45720" rtlCol="0">
+            <a:normAutofit/>
+          </a:bodyPr>
+          <a:lstStyle>
+            <a:lvl1pPr marL="228600" indent="-228600" algn="l" defTabSz="914400" rtl="0" eaLnBrk="1" latinLnBrk="0" hangingPunct="1">
+              <a:lnSpc>
+                <a:spcPts val="1800"/>
+              </a:lnSpc>
+              <a:spcBef>
+                <a:spcPts val="1000"/>
+              </a:spcBef>
+              <a:spcAft>
+                <a:spcPts val="1000"/>
+              </a:spcAft>
+              <a:buFont typeface="Arial" panose="020B0604020202020204" pitchFamily="34" charset="0"/>
+              <a:buChar char="•"/>
+              <a:defRPr lang="en-US" sz="1200" kern="1200" smtClean="0">
+                <a:solidFill>
+                  <a:schemeClr val="tx1">
+                    <a:lumMod val="75000"/>
+                    <a:lumOff val="25000"/>
+                  </a:schemeClr>
+                </a:solidFill>
+                <a:latin typeface="+mn-lt"/>
+                <a:ea typeface="+mn-ea"/>
+                <a:cs typeface="+mn-cs"/>
+              </a:defRPr>
+            </a:lvl1pPr>
+            <a:lvl2pPr marL="685800" indent="-228600" algn="l" defTabSz="914400" rtl="0" eaLnBrk="1" latinLnBrk="0" hangingPunct="1">
+              <a:lnSpc>
+                <a:spcPts val="1800"/>
+              </a:lnSpc>
+              <a:spcBef>
+                <a:spcPts val="1000"/>
+              </a:spcBef>
+              <a:spcAft>
+                <a:spcPts val="1000"/>
+              </a:spcAft>
+              <a:buFont typeface="Arial" panose="020B0604020202020204" pitchFamily="34" charset="0"/>
+              <a:buChar char="•"/>
+              <a:defRPr lang="en-US" sz="1200" kern="1200" smtClean="0">
+                <a:solidFill>
+                  <a:schemeClr val="tx1">
+                    <a:lumMod val="75000"/>
+                    <a:lumOff val="25000"/>
+                  </a:schemeClr>
+                </a:solidFill>
+                <a:latin typeface="+mn-lt"/>
+                <a:ea typeface="+mn-ea"/>
+                <a:cs typeface="+mn-cs"/>
+              </a:defRPr>
+            </a:lvl2pPr>
+            <a:lvl3pPr marL="1143000" indent="-228600" algn="l" defTabSz="914400" rtl="0" eaLnBrk="1" latinLnBrk="0" hangingPunct="1">
+              <a:lnSpc>
+                <a:spcPts val="1800"/>
+              </a:lnSpc>
+              <a:spcBef>
+                <a:spcPts val="1000"/>
+              </a:spcBef>
+              <a:spcAft>
+                <a:spcPts val="1000"/>
+              </a:spcAft>
+              <a:buFont typeface="Arial" panose="020B0604020202020204" pitchFamily="34" charset="0"/>
+              <a:buChar char="•"/>
+              <a:defRPr lang="en-US" sz="1200" kern="1200" smtClean="0">
+                <a:solidFill>
+                  <a:schemeClr val="tx1">
+                    <a:lumMod val="75000"/>
+                    <a:lumOff val="25000"/>
+                  </a:schemeClr>
+                </a:solidFill>
+                <a:latin typeface="+mn-lt"/>
+                <a:ea typeface="+mn-ea"/>
+                <a:cs typeface="+mn-cs"/>
+              </a:defRPr>
+            </a:lvl3pPr>
+            <a:lvl4pPr marL="1600200" indent="-228600" algn="l" defTabSz="914400" rtl="0" eaLnBrk="1" latinLnBrk="0" hangingPunct="1">
+              <a:lnSpc>
+                <a:spcPts val="1800"/>
+              </a:lnSpc>
+              <a:spcBef>
+                <a:spcPts val="1000"/>
+              </a:spcBef>
+              <a:spcAft>
+                <a:spcPts val="1000"/>
+              </a:spcAft>
+              <a:buFont typeface="Arial" panose="020B0604020202020204" pitchFamily="34" charset="0"/>
+              <a:buChar char="•"/>
+              <a:defRPr lang="en-US" sz="1200" kern="1200" smtClean="0">
+                <a:solidFill>
+                  <a:schemeClr val="tx1">
+                    <a:lumMod val="75000"/>
+                    <a:lumOff val="25000"/>
+                  </a:schemeClr>
+                </a:solidFill>
+                <a:latin typeface="+mn-lt"/>
+                <a:ea typeface="+mn-ea"/>
+                <a:cs typeface="+mn-cs"/>
+              </a:defRPr>
+            </a:lvl4pPr>
+            <a:lvl5pPr marL="2057400" indent="-228600" algn="l" defTabSz="914400" rtl="0" eaLnBrk="1" latinLnBrk="0" hangingPunct="1">
+              <a:lnSpc>
+                <a:spcPts val="1800"/>
+              </a:lnSpc>
+              <a:spcBef>
+                <a:spcPts val="1000"/>
+              </a:spcBef>
+              <a:spcAft>
+                <a:spcPts val="1000"/>
+              </a:spcAft>
+              <a:buFont typeface="Arial" panose="020B0604020202020204" pitchFamily="34" charset="0"/>
+              <a:buChar char="•"/>
+              <a:defRPr lang="en-US" sz="1200" kern="1200">
+                <a:solidFill>
+                  <a:schemeClr val="tx1">
+                    <a:lumMod val="75000"/>
+                    <a:lumOff val="25000"/>
+                  </a:schemeClr>
+                </a:solidFill>
+                <a:latin typeface="+mn-lt"/>
+                <a:ea typeface="+mn-ea"/>
+                <a:cs typeface="+mn-cs"/>
+              </a:defRPr>
+            </a:lvl5pPr>
+            <a:lvl6pPr marL="2514600" indent="-228600" algn="l" defTabSz="914400" rtl="0" eaLnBrk="1" latinLnBrk="0" hangingPunct="1">
+              <a:lnSpc>
+                <a:spcPct val="90000"/>
+              </a:lnSpc>
+              <a:spcBef>
+                <a:spcPct val="30000"/>
+              </a:spcBef>
+              <a:buFont typeface="Arial" panose="020B0604020202020204" pitchFamily="34" charset="0"/>
+              <a:buChar char="•"/>
+              <a:defRPr sz="1800" kern="1200">
+                <a:solidFill>
+                  <a:schemeClr val="tx1"/>
+                </a:solidFill>
+                <a:latin typeface="+mn-lt"/>
+                <a:ea typeface="+mn-ea"/>
+                <a:cs typeface="+mn-cs"/>
+              </a:defRPr>
+            </a:lvl6pPr>
+            <a:lvl7pPr marL="2971800" indent="-228600" algn="l" defTabSz="914400" rtl="0" eaLnBrk="1" latinLnBrk="0" hangingPunct="1">
+              <a:lnSpc>
+                <a:spcPct val="90000"/>
+              </a:lnSpc>
+              <a:spcBef>
+                <a:spcPct val="30000"/>
+              </a:spcBef>
+              <a:buFont typeface="Arial" panose="020B0604020202020204" pitchFamily="34" charset="0"/>
+              <a:buChar char="•"/>
+              <a:defRPr sz="1800" kern="1200">
+                <a:solidFill>
+                  <a:schemeClr val="tx1"/>
+                </a:solidFill>
+                <a:latin typeface="+mn-lt"/>
+                <a:ea typeface="+mn-ea"/>
+                <a:cs typeface="+mn-cs"/>
+              </a:defRPr>
+            </a:lvl7pPr>
+            <a:lvl8pPr marL="3429000" indent="-228600" algn="l" defTabSz="914400" rtl="0" eaLnBrk="1" latinLnBrk="0" hangingPunct="1">
+              <a:lnSpc>
+                <a:spcPct val="90000"/>
+              </a:lnSpc>
+              <a:spcBef>
+                <a:spcPct val="30000"/>
+              </a:spcBef>
+              <a:buFont typeface="Arial" panose="020B0604020202020204" pitchFamily="34" charset="0"/>
+              <a:buChar char="•"/>
+              <a:defRPr sz="1800" kern="1200">
+                <a:solidFill>
+                  <a:schemeClr val="tx1"/>
+                </a:solidFill>
+                <a:latin typeface="+mn-lt"/>
+                <a:ea typeface="+mn-ea"/>
+                <a:cs typeface="+mn-cs"/>
+              </a:defRPr>
+            </a:lvl8pPr>
+            <a:lvl9pPr marL="3886200" indent="-228600" algn="l" defTabSz="914400" rtl="0" eaLnBrk="1" latinLnBrk="0" hangingPunct="1">
+              <a:lnSpc>
+                <a:spcPct val="90000"/>
+              </a:lnSpc>
+              <a:spcBef>
+                <a:spcPct val="30000"/>
+              </a:spcBef>
+              <a:buFont typeface="Arial" panose="020B0604020202020204" pitchFamily="34" charset="0"/>
+              <a:buChar char="•"/>
+              <a:defRPr sz="1800" kern="1200">
+                <a:solidFill>
+                  <a:schemeClr val="tx1"/>
+                </a:solidFill>
+                <a:latin typeface="+mn-lt"/>
+                <a:ea typeface="+mn-ea"/>
+                <a:cs typeface="+mn-cs"/>
+              </a:defRPr>
+            </a:lvl9pPr>
+          </a:lstStyle>
+          <a:p>
+            <a:pPr marL="0" lvl="0" indent="0" rtl="0">
+              <a:spcAft>
+                <a:spcPts val="2000"/>
+              </a:spcAft>
+              <a:buNone/>
+              <a:defRPr/>
+            </a:pPr>
+            <a:r>
+              <a:rPr lang="zh-CN" altLang="en-US" sz="1800" dirty="0">
+                <a:solidFill>
+                  <a:prstClr val="black">
+                    <a:lumMod val="75000"/>
+                    <a:lumOff val="25000"/>
+                  </a:prstClr>
+                </a:solidFill>
+                <a:latin typeface="Microsoft YaHei UI" panose="020B0503020204020204" pitchFamily="34" charset="-122"/>
+                <a:ea typeface="Microsoft YaHei UI" panose="020B0503020204020204" pitchFamily="34" charset="-122"/>
+                <a:cs typeface="Segoe UI" panose="020B0502040204020203" pitchFamily="34" charset="0"/>
+              </a:rPr>
+              <a:t>专业核心课</a:t>
+            </a:r>
+          </a:p>
+        </p:txBody>
+      </p:sp>
+      <p:grpSp>
+        <p:nvGrpSpPr>
+          <p:cNvPr id="22" name="组 21" descr="带有编号 3（表示第 3 步）的小圆圈"/>
+          <p:cNvGrpSpPr/>
+          <p:nvPr/>
+        </p:nvGrpSpPr>
+        <p:grpSpPr bwMode="blackWhite">
+          <a:xfrm>
+            <a:off x="521207" y="3729857"/>
+            <a:ext cx="558179" cy="409838"/>
+            <a:chOff x="6953426" y="711274"/>
+            <a:chExt cx="558179" cy="409838"/>
+          </a:xfrm>
+        </p:grpSpPr>
+        <p:sp>
+          <p:nvSpPr>
+            <p:cNvPr id="24" name="椭圆形 23" descr="小圆圈"/>
+            <p:cNvSpPr/>
+            <p:nvPr/>
+          </p:nvSpPr>
+          <p:spPr bwMode="blackWhite">
+            <a:xfrm>
+              <a:off x="7025069" y="711274"/>
+              <a:ext cx="409838" cy="409838"/>
+            </a:xfrm>
+            <a:prstGeom prst="ellipse">
+              <a:avLst/>
+            </a:prstGeom>
+            <a:solidFill>
+              <a:srgbClr val="D24726"/>
+            </a:solidFill>
+            <a:ln>
+              <a:noFill/>
+            </a:ln>
+          </p:spPr>
+          <p:style>
+            <a:lnRef idx="2">
+              <a:schemeClr val="accent1">
+                <a:shade val="50000"/>
+              </a:schemeClr>
+            </a:lnRef>
+            <a:fillRef idx="1">
+              <a:schemeClr val="accent1"/>
+            </a:fillRef>
+            <a:effectRef idx="0">
+              <a:schemeClr val="accent1"/>
+            </a:effectRef>
+            <a:fontRef idx="minor">
+              <a:schemeClr val="lt1"/>
+            </a:fontRef>
+          </p:style>
+          <p:txBody>
+            <a:bodyPr rtlCol="0" anchor="ctr"/>
+            <a:lstStyle/>
+            <a:p>
+              <a:pPr algn="ctr" rtl="0"/>
+              <a:endParaRPr lang="zh-CN" altLang="en-US">
+                <a:latin typeface="Microsoft YaHei UI" panose="020B0503020204020204" pitchFamily="34" charset="-122"/>
+                <a:ea typeface="Microsoft YaHei UI" panose="020B0503020204020204" pitchFamily="34" charset="-122"/>
+              </a:endParaRPr>
+            </a:p>
+          </p:txBody>
+        </p:sp>
+        <p:sp>
+          <p:nvSpPr>
+            <p:cNvPr id="30" name="文本框 29" descr="编号 3"/>
+            <p:cNvSpPr txBox="1">
+              <a:spLocks noChangeAspect="1"/>
+            </p:cNvSpPr>
+            <p:nvPr/>
+          </p:nvSpPr>
+          <p:spPr bwMode="blackWhite">
+            <a:xfrm>
+              <a:off x="6953426" y="727564"/>
+              <a:ext cx="558179" cy="369332"/>
+            </a:xfrm>
+            <a:prstGeom prst="rect">
+              <a:avLst/>
+            </a:prstGeom>
+            <a:noFill/>
+          </p:spPr>
+          <p:txBody>
+            <a:bodyPr wrap="square" rtlCol="0">
+              <a:spAutoFit/>
+            </a:bodyPr>
+            <a:lstStyle/>
+            <a:p>
+              <a:pPr algn="ctr" rtl="0"/>
+              <a:r>
+                <a:rPr lang="en-US" altLang="zh-CN" b="1" dirty="0">
+                  <a:solidFill>
+                    <a:schemeClr val="bg1"/>
+                  </a:solidFill>
+                  <a:latin typeface="Microsoft YaHei UI" panose="020B0503020204020204" pitchFamily="34" charset="-122"/>
+                  <a:ea typeface="Microsoft YaHei UI" panose="020B0503020204020204" pitchFamily="34" charset="-122"/>
+                  <a:cs typeface="Segoe UI Semibold" panose="020B0702040204020203" pitchFamily="34" charset="0"/>
+                </a:rPr>
+                <a:t>3</a:t>
+              </a:r>
+            </a:p>
+          </p:txBody>
+        </p:sp>
+      </p:grpSp>
+      <p:sp>
+        <p:nvSpPr>
+          <p:cNvPr id="32" name="内容占位符 17"/>
+          <p:cNvSpPr txBox="1">
+            <a:spLocks/>
+          </p:cNvSpPr>
+          <p:nvPr/>
+        </p:nvSpPr>
+        <p:spPr>
+          <a:xfrm>
+            <a:off x="1046168" y="3758018"/>
+            <a:ext cx="4504252" cy="761144"/>
+          </a:xfrm>
+          <a:prstGeom prst="rect">
+            <a:avLst/>
+          </a:prstGeom>
+        </p:spPr>
+        <p:txBody>
+          <a:bodyPr vert="horz" lIns="91440" tIns="45720" rIns="91440" bIns="45720" rtlCol="0">
+            <a:normAutofit/>
+          </a:bodyPr>
+          <a:lstStyle>
+            <a:lvl1pPr marL="228600" indent="-228600" algn="l" defTabSz="914400" rtl="0" eaLnBrk="1" latinLnBrk="0" hangingPunct="1">
+              <a:lnSpc>
+                <a:spcPts val="1800"/>
+              </a:lnSpc>
+              <a:spcBef>
+                <a:spcPts val="1000"/>
+              </a:spcBef>
+              <a:spcAft>
+                <a:spcPts val="1000"/>
+              </a:spcAft>
+              <a:buFont typeface="Arial" panose="020B0604020202020204" pitchFamily="34" charset="0"/>
+              <a:buChar char="•"/>
+              <a:defRPr lang="en-US" sz="1200" kern="1200" smtClean="0">
+                <a:solidFill>
+                  <a:schemeClr val="tx1">
+                    <a:lumMod val="75000"/>
+                    <a:lumOff val="25000"/>
+                  </a:schemeClr>
+                </a:solidFill>
+                <a:latin typeface="+mn-lt"/>
+                <a:ea typeface="+mn-ea"/>
+                <a:cs typeface="+mn-cs"/>
+              </a:defRPr>
+            </a:lvl1pPr>
+            <a:lvl2pPr marL="685800" indent="-228600" algn="l" defTabSz="914400" rtl="0" eaLnBrk="1" latinLnBrk="0" hangingPunct="1">
+              <a:lnSpc>
+                <a:spcPts val="1800"/>
+              </a:lnSpc>
+              <a:spcBef>
+                <a:spcPts val="1000"/>
+              </a:spcBef>
+              <a:spcAft>
+                <a:spcPts val="1000"/>
+              </a:spcAft>
+              <a:buFont typeface="Arial" panose="020B0604020202020204" pitchFamily="34" charset="0"/>
+              <a:buChar char="•"/>
+              <a:defRPr lang="en-US" sz="1200" kern="1200" smtClean="0">
+                <a:solidFill>
+                  <a:schemeClr val="tx1">
+                    <a:lumMod val="75000"/>
+                    <a:lumOff val="25000"/>
+                  </a:schemeClr>
+                </a:solidFill>
+                <a:latin typeface="+mn-lt"/>
+                <a:ea typeface="+mn-ea"/>
+                <a:cs typeface="+mn-cs"/>
+              </a:defRPr>
+            </a:lvl2pPr>
+            <a:lvl3pPr marL="1143000" indent="-228600" algn="l" defTabSz="914400" rtl="0" eaLnBrk="1" latinLnBrk="0" hangingPunct="1">
+              <a:lnSpc>
+                <a:spcPts val="1800"/>
+              </a:lnSpc>
+              <a:spcBef>
+                <a:spcPts val="1000"/>
+              </a:spcBef>
+              <a:spcAft>
+                <a:spcPts val="1000"/>
+              </a:spcAft>
+              <a:buFont typeface="Arial" panose="020B0604020202020204" pitchFamily="34" charset="0"/>
+              <a:buChar char="•"/>
+              <a:defRPr lang="en-US" sz="1200" kern="1200" smtClean="0">
+                <a:solidFill>
+                  <a:schemeClr val="tx1">
+                    <a:lumMod val="75000"/>
+                    <a:lumOff val="25000"/>
+                  </a:schemeClr>
+                </a:solidFill>
+                <a:latin typeface="+mn-lt"/>
+                <a:ea typeface="+mn-ea"/>
+                <a:cs typeface="+mn-cs"/>
+              </a:defRPr>
+            </a:lvl3pPr>
+            <a:lvl4pPr marL="1600200" indent="-228600" algn="l" defTabSz="914400" rtl="0" eaLnBrk="1" latinLnBrk="0" hangingPunct="1">
+              <a:lnSpc>
+                <a:spcPts val="1800"/>
+              </a:lnSpc>
+              <a:spcBef>
+                <a:spcPts val="1000"/>
+              </a:spcBef>
+              <a:spcAft>
+                <a:spcPts val="1000"/>
+              </a:spcAft>
+              <a:buFont typeface="Arial" panose="020B0604020202020204" pitchFamily="34" charset="0"/>
+              <a:buChar char="•"/>
+              <a:defRPr lang="en-US" sz="1200" kern="1200" smtClean="0">
+                <a:solidFill>
+                  <a:schemeClr val="tx1">
+                    <a:lumMod val="75000"/>
+                    <a:lumOff val="25000"/>
+                  </a:schemeClr>
+                </a:solidFill>
+                <a:latin typeface="+mn-lt"/>
+                <a:ea typeface="+mn-ea"/>
+                <a:cs typeface="+mn-cs"/>
+              </a:defRPr>
+            </a:lvl4pPr>
+            <a:lvl5pPr marL="2057400" indent="-228600" algn="l" defTabSz="914400" rtl="0" eaLnBrk="1" latinLnBrk="0" hangingPunct="1">
+              <a:lnSpc>
+                <a:spcPts val="1800"/>
+              </a:lnSpc>
+              <a:spcBef>
+                <a:spcPts val="1000"/>
+              </a:spcBef>
+              <a:spcAft>
+                <a:spcPts val="1000"/>
+              </a:spcAft>
+              <a:buFont typeface="Arial" panose="020B0604020202020204" pitchFamily="34" charset="0"/>
+              <a:buChar char="•"/>
+              <a:defRPr lang="en-US" sz="1200" kern="1200">
+                <a:solidFill>
+                  <a:schemeClr val="tx1">
+                    <a:lumMod val="75000"/>
+                    <a:lumOff val="25000"/>
+                  </a:schemeClr>
+                </a:solidFill>
+                <a:latin typeface="+mn-lt"/>
+                <a:ea typeface="+mn-ea"/>
+                <a:cs typeface="+mn-cs"/>
+              </a:defRPr>
+            </a:lvl5pPr>
+            <a:lvl6pPr marL="2514600" indent="-228600" algn="l" defTabSz="914400" rtl="0" eaLnBrk="1" latinLnBrk="0" hangingPunct="1">
+              <a:lnSpc>
+                <a:spcPct val="90000"/>
+              </a:lnSpc>
+              <a:spcBef>
+                <a:spcPct val="30000"/>
+              </a:spcBef>
+              <a:buFont typeface="Arial" panose="020B0604020202020204" pitchFamily="34" charset="0"/>
+              <a:buChar char="•"/>
+              <a:defRPr sz="1800" kern="1200">
+                <a:solidFill>
+                  <a:schemeClr val="tx1"/>
+                </a:solidFill>
+                <a:latin typeface="+mn-lt"/>
+                <a:ea typeface="+mn-ea"/>
+                <a:cs typeface="+mn-cs"/>
+              </a:defRPr>
+            </a:lvl6pPr>
+            <a:lvl7pPr marL="2971800" indent="-228600" algn="l" defTabSz="914400" rtl="0" eaLnBrk="1" latinLnBrk="0" hangingPunct="1">
+              <a:lnSpc>
+                <a:spcPct val="90000"/>
+              </a:lnSpc>
+              <a:spcBef>
+                <a:spcPct val="30000"/>
+              </a:spcBef>
+              <a:buFont typeface="Arial" panose="020B0604020202020204" pitchFamily="34" charset="0"/>
+              <a:buChar char="•"/>
+              <a:defRPr sz="1800" kern="1200">
+                <a:solidFill>
+                  <a:schemeClr val="tx1"/>
+                </a:solidFill>
+                <a:latin typeface="+mn-lt"/>
+                <a:ea typeface="+mn-ea"/>
+                <a:cs typeface="+mn-cs"/>
+              </a:defRPr>
+            </a:lvl7pPr>
+            <a:lvl8pPr marL="3429000" indent="-228600" algn="l" defTabSz="914400" rtl="0" eaLnBrk="1" latinLnBrk="0" hangingPunct="1">
+              <a:lnSpc>
+                <a:spcPct val="90000"/>
+              </a:lnSpc>
+              <a:spcBef>
+                <a:spcPct val="30000"/>
+              </a:spcBef>
+              <a:buFont typeface="Arial" panose="020B0604020202020204" pitchFamily="34" charset="0"/>
+              <a:buChar char="•"/>
+              <a:defRPr sz="1800" kern="1200">
+                <a:solidFill>
+                  <a:schemeClr val="tx1"/>
+                </a:solidFill>
+                <a:latin typeface="+mn-lt"/>
+                <a:ea typeface="+mn-ea"/>
+                <a:cs typeface="+mn-cs"/>
+              </a:defRPr>
+            </a:lvl8pPr>
+            <a:lvl9pPr marL="3886200" indent="-228600" algn="l" defTabSz="914400" rtl="0" eaLnBrk="1" latinLnBrk="0" hangingPunct="1">
+              <a:lnSpc>
+                <a:spcPct val="90000"/>
+              </a:lnSpc>
+              <a:spcBef>
+                <a:spcPct val="30000"/>
+              </a:spcBef>
+              <a:buFont typeface="Arial" panose="020B0604020202020204" pitchFamily="34" charset="0"/>
+              <a:buChar char="•"/>
+              <a:defRPr sz="1800" kern="1200">
+                <a:solidFill>
+                  <a:schemeClr val="tx1"/>
+                </a:solidFill>
+                <a:latin typeface="+mn-lt"/>
+                <a:ea typeface="+mn-ea"/>
+                <a:cs typeface="+mn-cs"/>
+              </a:defRPr>
+            </a:lvl9pPr>
+          </a:lstStyle>
+          <a:p>
+            <a:pPr marL="0" lvl="0" indent="0" rtl="0">
+              <a:spcAft>
+                <a:spcPts val="600"/>
+              </a:spcAft>
+              <a:buNone/>
+              <a:defRPr/>
+            </a:pPr>
+            <a:r>
+              <a:rPr lang="zh-CN" altLang="en-US" sz="1800" dirty="0">
+                <a:solidFill>
+                  <a:prstClr val="black">
+                    <a:lumMod val="75000"/>
+                    <a:lumOff val="25000"/>
+                  </a:prstClr>
+                </a:solidFill>
+                <a:latin typeface="Microsoft YaHei UI" panose="020B0503020204020204" pitchFamily="34" charset="-122"/>
+                <a:ea typeface="Microsoft YaHei UI" panose="020B0503020204020204" pitchFamily="34" charset="-122"/>
+                <a:cs typeface="Segoe UI" panose="020B0502040204020203" pitchFamily="34" charset="0"/>
+              </a:rPr>
+              <a:t>学分占比大</a:t>
+            </a:r>
+            <a:endParaRPr lang="zh-CN" altLang="en-US" sz="1800" dirty="0">
+              <a:solidFill>
+                <a:prstClr val="black">
+                  <a:lumMod val="75000"/>
+                  <a:lumOff val="25000"/>
+                </a:prstClr>
+              </a:solidFill>
+              <a:latin typeface="Microsoft YaHei UI" panose="020B0503020204020204" pitchFamily="34" charset="-122"/>
+              <a:ea typeface="Microsoft YaHei UI" panose="020B0503020204020204" pitchFamily="34" charset="-122"/>
+              <a:cs typeface="Segoe UI"/>
+            </a:endParaRPr>
+          </a:p>
+        </p:txBody>
+      </p:sp>
+      <p:grpSp>
+        <p:nvGrpSpPr>
+          <p:cNvPr id="37" name="组 36" descr="带有编号 4（表示第 4 步）的小圆圈"/>
+          <p:cNvGrpSpPr/>
+          <p:nvPr/>
+        </p:nvGrpSpPr>
+        <p:grpSpPr bwMode="blackWhite">
+          <a:xfrm>
+            <a:off x="521207" y="4658937"/>
+            <a:ext cx="558179" cy="409838"/>
+            <a:chOff x="6953426" y="711274"/>
+            <a:chExt cx="558179" cy="409838"/>
+          </a:xfrm>
+        </p:grpSpPr>
+        <p:sp>
+          <p:nvSpPr>
+            <p:cNvPr id="38" name="椭圆形 37" descr="小圆圈"/>
+            <p:cNvSpPr/>
+            <p:nvPr/>
+          </p:nvSpPr>
+          <p:spPr bwMode="blackWhite">
+            <a:xfrm>
+              <a:off x="7025069" y="711274"/>
+              <a:ext cx="409838" cy="409838"/>
+            </a:xfrm>
+            <a:prstGeom prst="ellipse">
+              <a:avLst/>
+            </a:prstGeom>
+            <a:solidFill>
+              <a:srgbClr val="D24726"/>
+            </a:solidFill>
+            <a:ln>
+              <a:noFill/>
+            </a:ln>
+          </p:spPr>
+          <p:style>
+            <a:lnRef idx="2">
+              <a:schemeClr val="accent1">
+                <a:shade val="50000"/>
+              </a:schemeClr>
+            </a:lnRef>
+            <a:fillRef idx="1">
+              <a:schemeClr val="accent1"/>
+            </a:fillRef>
+            <a:effectRef idx="0">
+              <a:schemeClr val="accent1"/>
+            </a:effectRef>
+            <a:fontRef idx="minor">
+              <a:schemeClr val="lt1"/>
+            </a:fontRef>
+          </p:style>
+          <p:txBody>
+            <a:bodyPr rtlCol="0" anchor="ctr"/>
+            <a:lstStyle/>
+            <a:p>
+              <a:pPr algn="ctr" rtl="0"/>
+              <a:endParaRPr lang="zh-CN" altLang="en-US">
+                <a:latin typeface="Microsoft YaHei UI" panose="020B0503020204020204" pitchFamily="34" charset="-122"/>
+                <a:ea typeface="Microsoft YaHei UI" panose="020B0503020204020204" pitchFamily="34" charset="-122"/>
+              </a:endParaRPr>
+            </a:p>
+          </p:txBody>
+        </p:sp>
+        <p:sp>
+          <p:nvSpPr>
+            <p:cNvPr id="39" name="文本框 38" descr="编号 4"/>
+            <p:cNvSpPr txBox="1">
+              <a:spLocks noChangeAspect="1"/>
+            </p:cNvSpPr>
+            <p:nvPr/>
+          </p:nvSpPr>
+          <p:spPr bwMode="blackWhite">
+            <a:xfrm>
+              <a:off x="6953426" y="727564"/>
+              <a:ext cx="558179" cy="369332"/>
+            </a:xfrm>
+            <a:prstGeom prst="rect">
+              <a:avLst/>
+            </a:prstGeom>
+            <a:noFill/>
+          </p:spPr>
+          <p:txBody>
+            <a:bodyPr wrap="square" rtlCol="0">
+              <a:spAutoFit/>
+            </a:bodyPr>
+            <a:lstStyle/>
+            <a:p>
+              <a:pPr algn="ctr" rtl="0"/>
+              <a:r>
+                <a:rPr lang="en-US" altLang="zh-CN" b="1" dirty="0">
+                  <a:solidFill>
+                    <a:schemeClr val="bg1"/>
+                  </a:solidFill>
+                  <a:latin typeface="Microsoft YaHei UI" panose="020B0503020204020204" pitchFamily="34" charset="-122"/>
+                  <a:ea typeface="Microsoft YaHei UI" panose="020B0503020204020204" pitchFamily="34" charset="-122"/>
+                  <a:cs typeface="Segoe UI Semibold" panose="020B0702040204020203" pitchFamily="34" charset="0"/>
+                </a:rPr>
+                <a:t>4</a:t>
+              </a:r>
+            </a:p>
+          </p:txBody>
+        </p:sp>
+      </p:grpSp>
+      <p:sp>
+        <p:nvSpPr>
+          <p:cNvPr id="40" name="内容占位符 17"/>
+          <p:cNvSpPr txBox="1">
+            <a:spLocks/>
+          </p:cNvSpPr>
+          <p:nvPr/>
+        </p:nvSpPr>
+        <p:spPr>
+          <a:xfrm>
+            <a:off x="1046168" y="4699130"/>
+            <a:ext cx="4504252" cy="563538"/>
+          </a:xfrm>
+          <a:prstGeom prst="rect">
+            <a:avLst/>
+          </a:prstGeom>
+        </p:spPr>
+        <p:txBody>
+          <a:bodyPr vert="horz" lIns="91440" tIns="45720" rIns="91440" bIns="45720" rtlCol="0">
+            <a:normAutofit/>
+          </a:bodyPr>
+          <a:lstStyle>
+            <a:lvl1pPr marL="228600" indent="-228600" algn="l" defTabSz="914400" rtl="0" eaLnBrk="1" latinLnBrk="0" hangingPunct="1">
+              <a:lnSpc>
+                <a:spcPts val="1800"/>
+              </a:lnSpc>
+              <a:spcBef>
+                <a:spcPts val="1000"/>
+              </a:spcBef>
+              <a:spcAft>
+                <a:spcPts val="1000"/>
+              </a:spcAft>
+              <a:buFont typeface="Arial" panose="020B0604020202020204" pitchFamily="34" charset="0"/>
+              <a:buChar char="•"/>
+              <a:defRPr lang="en-US" sz="1200" kern="1200" smtClean="0">
+                <a:solidFill>
+                  <a:schemeClr val="tx1">
+                    <a:lumMod val="75000"/>
+                    <a:lumOff val="25000"/>
+                  </a:schemeClr>
+                </a:solidFill>
+                <a:latin typeface="+mn-lt"/>
+                <a:ea typeface="+mn-ea"/>
+                <a:cs typeface="+mn-cs"/>
+              </a:defRPr>
+            </a:lvl1pPr>
+            <a:lvl2pPr marL="685800" indent="-228600" algn="l" defTabSz="914400" rtl="0" eaLnBrk="1" latinLnBrk="0" hangingPunct="1">
+              <a:lnSpc>
+                <a:spcPts val="1800"/>
+              </a:lnSpc>
+              <a:spcBef>
+                <a:spcPts val="1000"/>
+              </a:spcBef>
+              <a:spcAft>
+                <a:spcPts val="1000"/>
+              </a:spcAft>
+              <a:buFont typeface="Arial" panose="020B0604020202020204" pitchFamily="34" charset="0"/>
+              <a:buChar char="•"/>
+              <a:defRPr lang="en-US" sz="1200" kern="1200" smtClean="0">
+                <a:solidFill>
+                  <a:schemeClr val="tx1">
+                    <a:lumMod val="75000"/>
+                    <a:lumOff val="25000"/>
+                  </a:schemeClr>
+                </a:solidFill>
+                <a:latin typeface="+mn-lt"/>
+                <a:ea typeface="+mn-ea"/>
+                <a:cs typeface="+mn-cs"/>
+              </a:defRPr>
+            </a:lvl2pPr>
+            <a:lvl3pPr marL="1143000" indent="-228600" algn="l" defTabSz="914400" rtl="0" eaLnBrk="1" latinLnBrk="0" hangingPunct="1">
+              <a:lnSpc>
+                <a:spcPts val="1800"/>
+              </a:lnSpc>
+              <a:spcBef>
+                <a:spcPts val="1000"/>
+              </a:spcBef>
+              <a:spcAft>
+                <a:spcPts val="1000"/>
+              </a:spcAft>
+              <a:buFont typeface="Arial" panose="020B0604020202020204" pitchFamily="34" charset="0"/>
+              <a:buChar char="•"/>
+              <a:defRPr lang="en-US" sz="1200" kern="1200" smtClean="0">
+                <a:solidFill>
+                  <a:schemeClr val="tx1">
+                    <a:lumMod val="75000"/>
+                    <a:lumOff val="25000"/>
+                  </a:schemeClr>
+                </a:solidFill>
+                <a:latin typeface="+mn-lt"/>
+                <a:ea typeface="+mn-ea"/>
+                <a:cs typeface="+mn-cs"/>
+              </a:defRPr>
+            </a:lvl3pPr>
+            <a:lvl4pPr marL="1600200" indent="-228600" algn="l" defTabSz="914400" rtl="0" eaLnBrk="1" latinLnBrk="0" hangingPunct="1">
+              <a:lnSpc>
+                <a:spcPts val="1800"/>
+              </a:lnSpc>
+              <a:spcBef>
+                <a:spcPts val="1000"/>
+              </a:spcBef>
+              <a:spcAft>
+                <a:spcPts val="1000"/>
+              </a:spcAft>
+              <a:buFont typeface="Arial" panose="020B0604020202020204" pitchFamily="34" charset="0"/>
+              <a:buChar char="•"/>
+              <a:defRPr lang="en-US" sz="1200" kern="1200" smtClean="0">
+                <a:solidFill>
+                  <a:schemeClr val="tx1">
+                    <a:lumMod val="75000"/>
+                    <a:lumOff val="25000"/>
+                  </a:schemeClr>
+                </a:solidFill>
+                <a:latin typeface="+mn-lt"/>
+                <a:ea typeface="+mn-ea"/>
+                <a:cs typeface="+mn-cs"/>
+              </a:defRPr>
+            </a:lvl4pPr>
+            <a:lvl5pPr marL="2057400" indent="-228600" algn="l" defTabSz="914400" rtl="0" eaLnBrk="1" latinLnBrk="0" hangingPunct="1">
+              <a:lnSpc>
+                <a:spcPts val="1800"/>
+              </a:lnSpc>
+              <a:spcBef>
+                <a:spcPts val="1000"/>
+              </a:spcBef>
+              <a:spcAft>
+                <a:spcPts val="1000"/>
+              </a:spcAft>
+              <a:buFont typeface="Arial" panose="020B0604020202020204" pitchFamily="34" charset="0"/>
+              <a:buChar char="•"/>
+              <a:defRPr lang="en-US" sz="1200" kern="1200">
+                <a:solidFill>
+                  <a:schemeClr val="tx1">
+                    <a:lumMod val="75000"/>
+                    <a:lumOff val="25000"/>
+                  </a:schemeClr>
+                </a:solidFill>
+                <a:latin typeface="+mn-lt"/>
+                <a:ea typeface="+mn-ea"/>
+                <a:cs typeface="+mn-cs"/>
+              </a:defRPr>
+            </a:lvl5pPr>
+            <a:lvl6pPr marL="2514600" indent="-228600" algn="l" defTabSz="914400" rtl="0" eaLnBrk="1" latinLnBrk="0" hangingPunct="1">
+              <a:lnSpc>
+                <a:spcPct val="90000"/>
+              </a:lnSpc>
+              <a:spcBef>
+                <a:spcPct val="30000"/>
+              </a:spcBef>
+              <a:buFont typeface="Arial" panose="020B0604020202020204" pitchFamily="34" charset="0"/>
+              <a:buChar char="•"/>
+              <a:defRPr sz="1800" kern="1200">
+                <a:solidFill>
+                  <a:schemeClr val="tx1"/>
+                </a:solidFill>
+                <a:latin typeface="+mn-lt"/>
+                <a:ea typeface="+mn-ea"/>
+                <a:cs typeface="+mn-cs"/>
+              </a:defRPr>
+            </a:lvl6pPr>
+            <a:lvl7pPr marL="2971800" indent="-228600" algn="l" defTabSz="914400" rtl="0" eaLnBrk="1" latinLnBrk="0" hangingPunct="1">
+              <a:lnSpc>
+                <a:spcPct val="90000"/>
+              </a:lnSpc>
+              <a:spcBef>
+                <a:spcPct val="30000"/>
+              </a:spcBef>
+              <a:buFont typeface="Arial" panose="020B0604020202020204" pitchFamily="34" charset="0"/>
+              <a:buChar char="•"/>
+              <a:defRPr sz="1800" kern="1200">
+                <a:solidFill>
+                  <a:schemeClr val="tx1"/>
+                </a:solidFill>
+                <a:latin typeface="+mn-lt"/>
+                <a:ea typeface="+mn-ea"/>
+                <a:cs typeface="+mn-cs"/>
+              </a:defRPr>
+            </a:lvl7pPr>
+            <a:lvl8pPr marL="3429000" indent="-228600" algn="l" defTabSz="914400" rtl="0" eaLnBrk="1" latinLnBrk="0" hangingPunct="1">
+              <a:lnSpc>
+                <a:spcPct val="90000"/>
+              </a:lnSpc>
+              <a:spcBef>
+                <a:spcPct val="30000"/>
+              </a:spcBef>
+              <a:buFont typeface="Arial" panose="020B0604020202020204" pitchFamily="34" charset="0"/>
+              <a:buChar char="•"/>
+              <a:defRPr sz="1800" kern="1200">
+                <a:solidFill>
+                  <a:schemeClr val="tx1"/>
+                </a:solidFill>
+                <a:latin typeface="+mn-lt"/>
+                <a:ea typeface="+mn-ea"/>
+                <a:cs typeface="+mn-cs"/>
+              </a:defRPr>
+            </a:lvl8pPr>
+            <a:lvl9pPr marL="3886200" indent="-228600" algn="l" defTabSz="914400" rtl="0" eaLnBrk="1" latinLnBrk="0" hangingPunct="1">
+              <a:lnSpc>
+                <a:spcPct val="90000"/>
+              </a:lnSpc>
+              <a:spcBef>
+                <a:spcPct val="30000"/>
+              </a:spcBef>
+              <a:buFont typeface="Arial" panose="020B0604020202020204" pitchFamily="34" charset="0"/>
+              <a:buChar char="•"/>
+              <a:defRPr sz="1800" kern="1200">
+                <a:solidFill>
+                  <a:schemeClr val="tx1"/>
+                </a:solidFill>
+                <a:latin typeface="+mn-lt"/>
+                <a:ea typeface="+mn-ea"/>
+                <a:cs typeface="+mn-cs"/>
+              </a:defRPr>
+            </a:lvl9pPr>
+          </a:lstStyle>
+          <a:p>
+            <a:pPr marL="0" lvl="0" indent="0" rtl="0">
+              <a:spcAft>
+                <a:spcPts val="2000"/>
+              </a:spcAft>
+              <a:buNone/>
+              <a:defRPr/>
+            </a:pPr>
+            <a:r>
+              <a:rPr lang="zh-CN" altLang="en-US" sz="1800" dirty="0">
+                <a:solidFill>
+                  <a:prstClr val="black">
+                    <a:lumMod val="75000"/>
+                    <a:lumOff val="25000"/>
+                  </a:prstClr>
+                </a:solidFill>
+                <a:latin typeface="Microsoft YaHei UI" panose="020B0503020204020204" pitchFamily="34" charset="-122"/>
+                <a:ea typeface="Microsoft YaHei UI" panose="020B0503020204020204" pitchFamily="34" charset="-122"/>
+                <a:cs typeface="Segoe UI" panose="020B0502040204020203" pitchFamily="34" charset="0"/>
+              </a:rPr>
+              <a:t>需要认真学习</a:t>
+            </a:r>
+          </a:p>
+        </p:txBody>
+      </p:sp>
+      <p:pic>
+        <p:nvPicPr>
+          <p:cNvPr id="23" name="图片 22"/>
+          <p:cNvPicPr>
+            <a:picLocks noChangeAspect="1"/>
+          </p:cNvPicPr>
+          <p:nvPr/>
+        </p:nvPicPr>
+        <p:blipFill>
+          <a:blip r:embed="rId3"/>
+          <a:srcRect/>
+          <a:stretch/>
+        </p:blipFill>
+        <p:spPr>
+          <a:xfrm>
+            <a:off x="6549758" y="2118953"/>
+            <a:ext cx="4339576" cy="3254681"/>
+          </a:xfrm>
+          <a:prstGeom prst="rect">
+            <a:avLst/>
+          </a:prstGeom>
+        </p:spPr>
+      </p:pic>
+    </p:spTree>
+    <p:extLst>
+      <p:ext uri="{BB962C8B-B14F-4D97-AF65-F5344CB8AC3E}">
+        <p14:creationId xmlns:p14="http://schemas.microsoft.com/office/powerpoint/2010/main" val="3389941204"/>
+      </p:ext>
+    </p:extLst>
+  </p:cSld>
+  <p:clrMapOvr>
+    <a:masterClrMapping/>
+  </p:clrMapOvr>
+  <mc:AlternateContent xmlns:mc="http://schemas.openxmlformats.org/markup-compatibility/2006" xmlns:p14="http://schemas.microsoft.com/office/powerpoint/2010/main">
+    <mc:Choice Requires="p14">
+      <p:transition p14:dur="10"/>
+    </mc:Choice>
+    <mc:Fallback xmlns="">
+      <p:transition/>
+    </mc:Fallback>
+  </mc:AlternateContent>
+</p:sld>
+</file>
+
+<file path=ppt/slides/slide6.xml><?xml version="1.0" encoding="utf-8"?>
+<p:sld xmlns:a="http://schemas.openxmlformats.org/drawingml/2006/main" xmlns:r="http://schemas.openxmlformats.org/officeDocument/2006/relationships" xmlns:p="http://schemas.openxmlformats.org/presentationml/2006/main">
+  <p:cSld>
+    <p:spTree>
+      <p:nvGrpSpPr>
+        <p:cNvPr id="1" name=""/>
+        <p:cNvGrpSpPr/>
+        <p:nvPr/>
+      </p:nvGrpSpPr>
+      <p:grpSpPr>
+        <a:xfrm>
+          <a:off x="0" y="0"/>
+          <a:ext cx="0" cy="0"/>
+          <a:chOff x="0" y="0"/>
+          <a:chExt cx="0" cy="0"/>
+        </a:xfrm>
+      </p:grpSpPr>
+      <p:sp>
+        <p:nvSpPr>
+          <p:cNvPr id="4" name="标题 3"/>
+          <p:cNvSpPr>
+            <a:spLocks noGrp="1"/>
+          </p:cNvSpPr>
+          <p:nvPr>
+            <p:ph type="title"/>
+          </p:nvPr>
+        </p:nvSpPr>
+        <p:spPr/>
+        <p:txBody>
+          <a:bodyPr rtlCol="0"/>
+          <a:lstStyle/>
+          <a:p>
+            <a:pPr rtl="0"/>
+            <a:r>
+              <a:rPr lang="zh-CN" altLang="en-US" dirty="0">
+                <a:cs typeface="Segoe UI Light" panose="020B0502040204020203" pitchFamily="34" charset="0"/>
+              </a:rPr>
               <a:t>课程参考资料</a:t>
             </a:r>
           </a:p>
@@ -6148,6 +7725,44 @@
               <a:defRPr/>
             </a:pPr>
             <a:r>
+              <a:rPr lang="zh-CN" altLang="en-US" sz="1800" dirty="0">
+                <a:latin typeface="Microsoft YaHei UI" panose="020B0503020204020204" pitchFamily="34" charset="-122"/>
+                <a:ea typeface="Microsoft YaHei UI" panose="020B0503020204020204" pitchFamily="34" charset="-122"/>
+                <a:cs typeface="Segoe UI" panose="020B0502040204020203" pitchFamily="34" charset="0"/>
+              </a:rPr>
+              <a:t>南大 </a:t>
+            </a:r>
+            <a:r>
+              <a:rPr lang="zh-CN" altLang="en-US" sz="1800" dirty="0">
+                <a:latin typeface="Microsoft YaHei UI" panose="020B0503020204020204" pitchFamily="34" charset="-122"/>
+                <a:ea typeface="Microsoft YaHei UI" panose="020B0503020204020204" pitchFamily="34" charset="-122"/>
+                <a:cs typeface="Segoe UI" panose="020B0502040204020203" pitchFamily="34" charset="0"/>
+                <a:hlinkClick r:id="rId6"/>
+              </a:rPr>
+              <a:t>计算机系统基础</a:t>
+            </a:r>
+            <a:r>
+              <a:rPr lang="zh-CN" altLang="en-US" sz="1800" dirty="0">
+                <a:latin typeface="Microsoft YaHei UI" panose="020B0503020204020204" pitchFamily="34" charset="-122"/>
+                <a:ea typeface="Microsoft YaHei UI" panose="020B0503020204020204" pitchFamily="34" charset="-122"/>
+                <a:cs typeface="Segoe UI" panose="020B0502040204020203" pitchFamily="34" charset="0"/>
+              </a:rPr>
+              <a:t> </a:t>
+            </a:r>
+            <a:endParaRPr lang="en-US" altLang="zh-CN" sz="1800" dirty="0">
+              <a:latin typeface="Microsoft YaHei UI" panose="020B0503020204020204" pitchFamily="34" charset="-122"/>
+              <a:ea typeface="Microsoft YaHei UI" panose="020B0503020204020204" pitchFamily="34" charset="-122"/>
+              <a:cs typeface="Segoe UI" panose="020B0502040204020203" pitchFamily="34" charset="0"/>
+            </a:endParaRPr>
+          </a:p>
+          <a:p>
+            <a:pPr lvl="1">
+              <a:spcAft>
+                <a:spcPts val="600"/>
+              </a:spcAft>
+              <a:defRPr/>
+            </a:pPr>
+            <a:r>
               <a:rPr lang="en-US" altLang="zh-CN" sz="1800" dirty="0">
                 <a:latin typeface="Microsoft YaHei UI" panose="020B0503020204020204" pitchFamily="34" charset="-122"/>
                 <a:ea typeface="Microsoft YaHei UI" panose="020B0503020204020204" pitchFamily="34" charset="-122"/>
@@ -6160,7 +7775,7 @@
                 <a:latin typeface="Microsoft YaHei UI" panose="020B0503020204020204" pitchFamily="34" charset="-122"/>
                 <a:ea typeface="Microsoft YaHei UI" panose="020B0503020204020204" pitchFamily="34" charset="-122"/>
                 <a:cs typeface="Segoe UI" panose="020B0502040204020203" pitchFamily="34" charset="0"/>
-                <a:hlinkClick r:id="rId6"/>
+                <a:hlinkClick r:id="rId7"/>
               </a:rPr>
               <a:t>CS162</a:t>
             </a:r>
@@ -6298,7 +7913,7 @@
           <p:nvPr/>
         </p:nvPicPr>
         <p:blipFill>
-          <a:blip r:embed="rId7"/>
+          <a:blip r:embed="rId8"/>
           <a:stretch>
             <a:fillRect/>
           </a:stretch>
@@ -6334,7 +7949,7 @@
 </p:sld>
 </file>
 
-<file path=ppt/slides/slide6.xml><?xml version="1.0" encoding="utf-8"?>
+<file path=ppt/slides/slide7.xml><?xml version="1.0" encoding="utf-8"?>
 <p:sld xmlns:a="http://schemas.openxmlformats.org/drawingml/2006/main" xmlns:r="http://schemas.openxmlformats.org/officeDocument/2006/relationships" xmlns:p="http://schemas.openxmlformats.org/presentationml/2006/main">
   <p:cSld>
     <p:spTree>
@@ -6626,7 +8241,7 @@
 </p:sld>
 </file>
 
-<file path=ppt/slides/slide7.xml><?xml version="1.0" encoding="utf-8"?>
+<file path=ppt/slides/slide8.xml><?xml version="1.0" encoding="utf-8"?>
 <p:sld xmlns:a="http://schemas.openxmlformats.org/drawingml/2006/main" xmlns:r="http://schemas.openxmlformats.org/officeDocument/2006/relationships" xmlns:p="http://schemas.openxmlformats.org/presentationml/2006/main">
   <p:cSld>
     <p:spTree>
